--- a/05-memory/memory.pptx
+++ b/05-memory/memory.pptx
@@ -115,6 +115,11 @@
       </a:defRPr>
     </a:lvl9pPr>
   </p:defaultTextStyle>
+  <p:extLst>
+    <p:ext uri="{EFAFB233-063F-42B5-8137-9DF3F51BA10A}">
+      <p15:sldGuideLst xmlns:p15="http://schemas.microsoft.com/office/powerpoint/2012/main"/>
+    </p:ext>
+  </p:extLst>
 </p:presentation>
 </file>
 
@@ -265,7 +270,7 @@
           <a:p>
             <a:fld id="{460D2BC8-AC17-407D-A71F-6BBC4A8EC052}" type="datetimeFigureOut">
               <a:rPr lang="it-IT" smtClean="0"/>
-              <a:t>17/10/2019</a:t>
+              <a:t>18/10/2019</a:t>
             </a:fld>
             <a:endParaRPr lang="it-IT"/>
           </a:p>
@@ -319,7 +324,7 @@
           <a:p>
             <a:fld id="{E2C0C954-28C2-4200-A888-A635FE0E5425}" type="slidenum">
               <a:rPr lang="it-IT" smtClean="0"/>
-              <a:t>‹N›</a:t>
+              <a:t>‹#›</a:t>
             </a:fld>
             <a:endParaRPr lang="it-IT"/>
           </a:p>
@@ -463,7 +468,7 @@
           <a:p>
             <a:fld id="{460D2BC8-AC17-407D-A71F-6BBC4A8EC052}" type="datetimeFigureOut">
               <a:rPr lang="it-IT" smtClean="0"/>
-              <a:t>17/10/2019</a:t>
+              <a:t>18/10/2019</a:t>
             </a:fld>
             <a:endParaRPr lang="it-IT"/>
           </a:p>
@@ -517,7 +522,7 @@
           <a:p>
             <a:fld id="{E2C0C954-28C2-4200-A888-A635FE0E5425}" type="slidenum">
               <a:rPr lang="it-IT" smtClean="0"/>
-              <a:t>‹N›</a:t>
+              <a:t>‹#›</a:t>
             </a:fld>
             <a:endParaRPr lang="it-IT"/>
           </a:p>
@@ -671,7 +676,7 @@
           <a:p>
             <a:fld id="{460D2BC8-AC17-407D-A71F-6BBC4A8EC052}" type="datetimeFigureOut">
               <a:rPr lang="it-IT" smtClean="0"/>
-              <a:t>17/10/2019</a:t>
+              <a:t>18/10/2019</a:t>
             </a:fld>
             <a:endParaRPr lang="it-IT"/>
           </a:p>
@@ -725,7 +730,7 @@
           <a:p>
             <a:fld id="{E2C0C954-28C2-4200-A888-A635FE0E5425}" type="slidenum">
               <a:rPr lang="it-IT" smtClean="0"/>
-              <a:t>‹N›</a:t>
+              <a:t>‹#›</a:t>
             </a:fld>
             <a:endParaRPr lang="it-IT"/>
           </a:p>
@@ -869,7 +874,7 @@
           <a:p>
             <a:fld id="{460D2BC8-AC17-407D-A71F-6BBC4A8EC052}" type="datetimeFigureOut">
               <a:rPr lang="it-IT" smtClean="0"/>
-              <a:t>17/10/2019</a:t>
+              <a:t>18/10/2019</a:t>
             </a:fld>
             <a:endParaRPr lang="it-IT"/>
           </a:p>
@@ -923,7 +928,7 @@
           <a:p>
             <a:fld id="{E2C0C954-28C2-4200-A888-A635FE0E5425}" type="slidenum">
               <a:rPr lang="it-IT" smtClean="0"/>
-              <a:t>‹N›</a:t>
+              <a:t>‹#›</a:t>
             </a:fld>
             <a:endParaRPr lang="it-IT"/>
           </a:p>
@@ -1144,7 +1149,7 @@
           <a:p>
             <a:fld id="{460D2BC8-AC17-407D-A71F-6BBC4A8EC052}" type="datetimeFigureOut">
               <a:rPr lang="it-IT" smtClean="0"/>
-              <a:t>17/10/2019</a:t>
+              <a:t>18/10/2019</a:t>
             </a:fld>
             <a:endParaRPr lang="it-IT"/>
           </a:p>
@@ -1198,7 +1203,7 @@
           <a:p>
             <a:fld id="{E2C0C954-28C2-4200-A888-A635FE0E5425}" type="slidenum">
               <a:rPr lang="it-IT" smtClean="0"/>
-              <a:t>‹N›</a:t>
+              <a:t>‹#›</a:t>
             </a:fld>
             <a:endParaRPr lang="it-IT"/>
           </a:p>
@@ -1409,7 +1414,7 @@
           <a:p>
             <a:fld id="{460D2BC8-AC17-407D-A71F-6BBC4A8EC052}" type="datetimeFigureOut">
               <a:rPr lang="it-IT" smtClean="0"/>
-              <a:t>17/10/2019</a:t>
+              <a:t>18/10/2019</a:t>
             </a:fld>
             <a:endParaRPr lang="it-IT"/>
           </a:p>
@@ -1463,7 +1468,7 @@
           <a:p>
             <a:fld id="{E2C0C954-28C2-4200-A888-A635FE0E5425}" type="slidenum">
               <a:rPr lang="it-IT" smtClean="0"/>
-              <a:t>‹N›</a:t>
+              <a:t>‹#›</a:t>
             </a:fld>
             <a:endParaRPr lang="it-IT"/>
           </a:p>
@@ -1821,7 +1826,7 @@
           <a:p>
             <a:fld id="{460D2BC8-AC17-407D-A71F-6BBC4A8EC052}" type="datetimeFigureOut">
               <a:rPr lang="it-IT" smtClean="0"/>
-              <a:t>17/10/2019</a:t>
+              <a:t>18/10/2019</a:t>
             </a:fld>
             <a:endParaRPr lang="it-IT"/>
           </a:p>
@@ -1875,7 +1880,7 @@
           <a:p>
             <a:fld id="{E2C0C954-28C2-4200-A888-A635FE0E5425}" type="slidenum">
               <a:rPr lang="it-IT" smtClean="0"/>
-              <a:t>‹N›</a:t>
+              <a:t>‹#›</a:t>
             </a:fld>
             <a:endParaRPr lang="it-IT"/>
           </a:p>
@@ -1962,7 +1967,7 @@
           <a:p>
             <a:fld id="{460D2BC8-AC17-407D-A71F-6BBC4A8EC052}" type="datetimeFigureOut">
               <a:rPr lang="it-IT" smtClean="0"/>
-              <a:t>17/10/2019</a:t>
+              <a:t>18/10/2019</a:t>
             </a:fld>
             <a:endParaRPr lang="it-IT"/>
           </a:p>
@@ -2016,7 +2021,7 @@
           <a:p>
             <a:fld id="{E2C0C954-28C2-4200-A888-A635FE0E5425}" type="slidenum">
               <a:rPr lang="it-IT" smtClean="0"/>
-              <a:t>‹N›</a:t>
+              <a:t>‹#›</a:t>
             </a:fld>
             <a:endParaRPr lang="it-IT"/>
           </a:p>
@@ -2075,7 +2080,7 @@
           <a:p>
             <a:fld id="{460D2BC8-AC17-407D-A71F-6BBC4A8EC052}" type="datetimeFigureOut">
               <a:rPr lang="it-IT" smtClean="0"/>
-              <a:t>17/10/2019</a:t>
+              <a:t>18/10/2019</a:t>
             </a:fld>
             <a:endParaRPr lang="it-IT"/>
           </a:p>
@@ -2129,7 +2134,7 @@
           <a:p>
             <a:fld id="{E2C0C954-28C2-4200-A888-A635FE0E5425}" type="slidenum">
               <a:rPr lang="it-IT" smtClean="0"/>
-              <a:t>‹N›</a:t>
+              <a:t>‹#›</a:t>
             </a:fld>
             <a:endParaRPr lang="it-IT"/>
           </a:p>
@@ -2386,7 +2391,7 @@
           <a:p>
             <a:fld id="{460D2BC8-AC17-407D-A71F-6BBC4A8EC052}" type="datetimeFigureOut">
               <a:rPr lang="it-IT" smtClean="0"/>
-              <a:t>17/10/2019</a:t>
+              <a:t>18/10/2019</a:t>
             </a:fld>
             <a:endParaRPr lang="it-IT"/>
           </a:p>
@@ -2440,7 +2445,7 @@
           <a:p>
             <a:fld id="{E2C0C954-28C2-4200-A888-A635FE0E5425}" type="slidenum">
               <a:rPr lang="it-IT" smtClean="0"/>
-              <a:t>‹N›</a:t>
+              <a:t>‹#›</a:t>
             </a:fld>
             <a:endParaRPr lang="it-IT"/>
           </a:p>
@@ -2674,7 +2679,7 @@
           <a:p>
             <a:fld id="{460D2BC8-AC17-407D-A71F-6BBC4A8EC052}" type="datetimeFigureOut">
               <a:rPr lang="it-IT" smtClean="0"/>
-              <a:t>17/10/2019</a:t>
+              <a:t>18/10/2019</a:t>
             </a:fld>
             <a:endParaRPr lang="it-IT"/>
           </a:p>
@@ -2728,7 +2733,7 @@
           <a:p>
             <a:fld id="{E2C0C954-28C2-4200-A888-A635FE0E5425}" type="slidenum">
               <a:rPr lang="it-IT" smtClean="0"/>
-              <a:t>‹N›</a:t>
+              <a:t>‹#›</a:t>
             </a:fld>
             <a:endParaRPr lang="it-IT"/>
           </a:p>
@@ -2915,7 +2920,7 @@
           <a:p>
             <a:fld id="{460D2BC8-AC17-407D-A71F-6BBC4A8EC052}" type="datetimeFigureOut">
               <a:rPr lang="it-IT" smtClean="0"/>
-              <a:t>17/10/2019</a:t>
+              <a:t>18/10/2019</a:t>
             </a:fld>
             <a:endParaRPr lang="it-IT"/>
           </a:p>
@@ -3005,7 +3010,7 @@
           <a:p>
             <a:fld id="{E2C0C954-28C2-4200-A888-A635FE0E5425}" type="slidenum">
               <a:rPr lang="it-IT" smtClean="0"/>
-              <a:t>‹N›</a:t>
+              <a:t>‹#›</a:t>
             </a:fld>
             <a:endParaRPr lang="it-IT"/>
           </a:p>
@@ -5141,56 +5146,6 @@
           <a:chExt cx="0" cy="0"/>
         </a:xfrm>
       </p:grpSpPr>
-      <p:sp>
-        <p:nvSpPr>
-          <p:cNvPr id="2" name="Titolo 1">
-            <a:extLst>
-              <a:ext uri="{FF2B5EF4-FFF2-40B4-BE49-F238E27FC236}">
-                <a16:creationId xmlns:a16="http://schemas.microsoft.com/office/drawing/2014/main" id="{BEAEF586-D60C-44F6-8EF4-36FBE218DF51}"/>
-              </a:ext>
-            </a:extLst>
-          </p:cNvPr>
-          <p:cNvSpPr>
-            <a:spLocks noGrp="1"/>
-          </p:cNvSpPr>
-          <p:nvPr>
-            <p:ph type="title"/>
-          </p:nvPr>
-        </p:nvSpPr>
-        <p:spPr/>
-        <p:txBody>
-          <a:bodyPr/>
-          <a:lstStyle/>
-          <a:p>
-            <a:endParaRPr lang="it-IT"/>
-          </a:p>
-        </p:txBody>
-      </p:sp>
-      <p:sp>
-        <p:nvSpPr>
-          <p:cNvPr id="3" name="Segnaposto contenuto 2">
-            <a:extLst>
-              <a:ext uri="{FF2B5EF4-FFF2-40B4-BE49-F238E27FC236}">
-                <a16:creationId xmlns:a16="http://schemas.microsoft.com/office/drawing/2014/main" id="{BDB3FF04-BA5B-49AF-9E2C-AF9348D9CBA7}"/>
-              </a:ext>
-            </a:extLst>
-          </p:cNvPr>
-          <p:cNvSpPr>
-            <a:spLocks noGrp="1"/>
-          </p:cNvSpPr>
-          <p:nvPr>
-            <p:ph idx="1"/>
-          </p:nvPr>
-        </p:nvSpPr>
-        <p:spPr/>
-        <p:txBody>
-          <a:bodyPr/>
-          <a:lstStyle/>
-          <a:p>
-            <a:endParaRPr lang="it-IT"/>
-          </a:p>
-        </p:txBody>
-      </p:sp>
       <p:pic>
         <p:nvPicPr>
           <p:cNvPr id="4" name="Immagine 3">
@@ -5214,7 +5169,74 @@
         <p:spPr>
           <a:xfrm>
             <a:off x="138794" y="54513"/>
-            <a:ext cx="11548652" cy="6748973"/>
+            <a:ext cx="6904385" cy="4034887"/>
+          </a:xfrm>
+          <a:prstGeom prst="rect">
+            <a:avLst/>
+          </a:prstGeom>
+        </p:spPr>
+      </p:pic>
+      <p:sp>
+        <p:nvSpPr>
+          <p:cNvPr id="5" name="Rectangle 4">
+            <a:extLst>
+              <a:ext uri="{FF2B5EF4-FFF2-40B4-BE49-F238E27FC236}">
+                <a16:creationId xmlns:a16="http://schemas.microsoft.com/office/drawing/2014/main" id="{E7178B39-889E-4E63-974A-51845C10FA02}"/>
+              </a:ext>
+            </a:extLst>
+          </p:cNvPr>
+          <p:cNvSpPr/>
+          <p:nvPr/>
+        </p:nvSpPr>
+        <p:spPr>
+          <a:xfrm>
+            <a:off x="5096933" y="5942168"/>
+            <a:ext cx="7095067" cy="369332"/>
+          </a:xfrm>
+          <a:prstGeom prst="rect">
+            <a:avLst/>
+          </a:prstGeom>
+        </p:spPr>
+        <p:txBody>
+          <a:bodyPr wrap="square">
+            <a:spAutoFit/>
+          </a:bodyPr>
+          <a:lstStyle/>
+          <a:p>
+            <a:r>
+              <a:rPr lang="it-IT" dirty="0">
+                <a:hlinkClick r:id="rId3"/>
+              </a:rPr>
+              <a:t>https://condor.depaul.edu/sjost/nwdp/notes/cs1/CSDatatypes.htm</a:t>
+            </a:r>
+            <a:endParaRPr lang="it-IT" dirty="0"/>
+          </a:p>
+        </p:txBody>
+      </p:sp>
+      <p:pic>
+        <p:nvPicPr>
+          <p:cNvPr id="6" name="Picture 5">
+            <a:extLst>
+              <a:ext uri="{FF2B5EF4-FFF2-40B4-BE49-F238E27FC236}">
+                <a16:creationId xmlns:a16="http://schemas.microsoft.com/office/drawing/2014/main" id="{2930D597-1D71-41D2-9E98-CFB5ED1BB376}"/>
+              </a:ext>
+            </a:extLst>
+          </p:cNvPr>
+          <p:cNvPicPr>
+            <a:picLocks noChangeAspect="1"/>
+          </p:cNvPicPr>
+          <p:nvPr/>
+        </p:nvPicPr>
+        <p:blipFill>
+          <a:blip r:embed="rId4"/>
+          <a:stretch>
+            <a:fillRect/>
+          </a:stretch>
+        </p:blipFill>
+        <p:spPr>
+          <a:xfrm>
+            <a:off x="7143179" y="54514"/>
+            <a:ext cx="4910027" cy="5592754"/>
           </a:xfrm>
           <a:prstGeom prst="rect">
             <a:avLst/>

--- a/05-memory/memory.pptx
+++ b/05-memory/memory.pptx
@@ -15,8 +15,10 @@
     <p:sldId id="266" r:id="rId9"/>
     <p:sldId id="267" r:id="rId10"/>
     <p:sldId id="264" r:id="rId11"/>
-    <p:sldId id="268" r:id="rId12"/>
-    <p:sldId id="269" r:id="rId13"/>
+    <p:sldId id="270" r:id="rId12"/>
+    <p:sldId id="268" r:id="rId13"/>
+    <p:sldId id="269" r:id="rId14"/>
+    <p:sldId id="271" r:id="rId15"/>
   </p:sldIdLst>
   <p:sldSz cx="12192000" cy="6858000"/>
   <p:notesSz cx="6858000" cy="9144000"/>
@@ -3858,6 +3860,36 @@
           </a:prstGeom>
         </p:spPr>
       </p:pic>
+      <p:pic>
+        <p:nvPicPr>
+          <p:cNvPr id="3" name="Picture 2">
+            <a:extLst>
+              <a:ext uri="{FF2B5EF4-FFF2-40B4-BE49-F238E27FC236}">
+                <a16:creationId xmlns:a16="http://schemas.microsoft.com/office/drawing/2014/main" id="{056725D7-C2A9-44A7-AEFE-A9E91B13C8BF}"/>
+              </a:ext>
+            </a:extLst>
+          </p:cNvPr>
+          <p:cNvPicPr>
+            <a:picLocks noChangeAspect="1"/>
+          </p:cNvPicPr>
+          <p:nvPr/>
+        </p:nvPicPr>
+        <p:blipFill>
+          <a:blip r:embed="rId6"/>
+          <a:stretch>
+            <a:fillRect/>
+          </a:stretch>
+        </p:blipFill>
+        <p:spPr>
+          <a:xfrm>
+            <a:off x="5257800" y="0"/>
+            <a:ext cx="2187316" cy="588313"/>
+          </a:xfrm>
+          <a:prstGeom prst="rect">
+            <a:avLst/>
+          </a:prstGeom>
+        </p:spPr>
+      </p:pic>
     </p:spTree>
     <p:extLst>
       <p:ext uri="{BB962C8B-B14F-4D97-AF65-F5344CB8AC3E}">
@@ -3896,6 +3928,318 @@
           <a:chExt cx="0" cy="0"/>
         </a:xfrm>
       </p:grpSpPr>
+      <p:sp>
+        <p:nvSpPr>
+          <p:cNvPr id="10" name="Rectangle 9">
+            <a:extLst>
+              <a:ext uri="{FF2B5EF4-FFF2-40B4-BE49-F238E27FC236}">
+                <a16:creationId xmlns:a16="http://schemas.microsoft.com/office/drawing/2014/main" id="{823AC064-BC96-4F32-8AE1-B2FD38754823}"/>
+              </a:ext>
+              <a:ext uri="{C183D7F6-B498-43B3-948B-1728B52AA6E4}">
+                <adec:decorative xmlns:adec="http://schemas.microsoft.com/office/drawing/2017/decorative" val="1"/>
+              </a:ext>
+            </a:extLst>
+          </p:cNvPr>
+          <p:cNvSpPr>
+            <a:spLocks noGrp="1" noRot="1" noChangeAspect="1" noMove="1" noResize="1" noEditPoints="1" noAdjustHandles="1" noChangeArrowheads="1" noChangeShapeType="1" noTextEdit="1"/>
+          </p:cNvSpPr>
+          <p:nvPr>
+            <p:extLst>
+              <p:ext uri="{386F3935-93C4-4BCD-93E2-E3B085C9AB24}">
+                <p16:designElem xmlns:p16="http://schemas.microsoft.com/office/powerpoint/2015/main" val="1"/>
+              </p:ext>
+            </p:extLst>
+          </p:nvPr>
+        </p:nvSpPr>
+        <p:spPr bwMode="ltGray">
+          <a:xfrm>
+            <a:off x="396882" y="280374"/>
+            <a:ext cx="11438793" cy="1844256"/>
+          </a:xfrm>
+          <a:prstGeom prst="rect">
+            <a:avLst/>
+          </a:prstGeom>
+          <a:solidFill>
+            <a:srgbClr val="404040"/>
+          </a:solidFill>
+          <a:ln w="127000" cap="sq" cmpd="thinThick">
+            <a:solidFill>
+              <a:srgbClr val="404040"/>
+            </a:solidFill>
+          </a:ln>
+        </p:spPr>
+        <p:style>
+          <a:lnRef idx="2">
+            <a:schemeClr val="accent1">
+              <a:shade val="50000"/>
+            </a:schemeClr>
+          </a:lnRef>
+          <a:fillRef idx="1">
+            <a:schemeClr val="accent1"/>
+          </a:fillRef>
+          <a:effectRef idx="0">
+            <a:schemeClr val="accent1"/>
+          </a:effectRef>
+          <a:fontRef idx="minor">
+            <a:schemeClr val="lt1"/>
+          </a:fontRef>
+        </p:style>
+        <p:txBody>
+          <a:bodyPr rtlCol="0" anchor="ctr"/>
+          <a:lstStyle/>
+          <a:p>
+            <a:pPr algn="ctr"/>
+            <a:endParaRPr lang="en-US"/>
+          </a:p>
+        </p:txBody>
+      </p:sp>
+      <p:sp>
+        <p:nvSpPr>
+          <p:cNvPr id="2" name="Title 1">
+            <a:extLst>
+              <a:ext uri="{FF2B5EF4-FFF2-40B4-BE49-F238E27FC236}">
+                <a16:creationId xmlns:a16="http://schemas.microsoft.com/office/drawing/2014/main" id="{7AF05C58-94BA-464C-B1DF-78275ABB60CF}"/>
+              </a:ext>
+            </a:extLst>
+          </p:cNvPr>
+          <p:cNvSpPr>
+            <a:spLocks noGrp="1"/>
+          </p:cNvSpPr>
+          <p:nvPr>
+            <p:ph type="title"/>
+          </p:nvPr>
+        </p:nvSpPr>
+        <p:spPr>
+          <a:xfrm>
+            <a:off x="546351" y="433545"/>
+            <a:ext cx="11139854" cy="930447"/>
+          </a:xfrm>
+        </p:spPr>
+        <p:txBody>
+          <a:bodyPr vert="horz" lIns="91440" tIns="45720" rIns="91440" bIns="45720" rtlCol="0" anchor="b">
+            <a:normAutofit/>
+          </a:bodyPr>
+          <a:lstStyle/>
+          <a:p>
+            <a:pPr algn="ctr"/>
+            <a:r>
+              <a:rPr lang="en-US" sz="5400" kern="1200">
+                <a:solidFill>
+                  <a:srgbClr val="FFFFFF"/>
+                </a:solidFill>
+                <a:latin typeface="+mj-lt"/>
+                <a:ea typeface="+mj-ea"/>
+                <a:cs typeface="+mj-cs"/>
+              </a:rPr>
+              <a:t>Sweep &amp; Compact</a:t>
+            </a:r>
+          </a:p>
+        </p:txBody>
+      </p:sp>
+      <p:cxnSp>
+        <p:nvCxnSpPr>
+          <p:cNvPr id="12" name="Straight Connector 11">
+            <a:extLst>
+              <a:ext uri="{FF2B5EF4-FFF2-40B4-BE49-F238E27FC236}">
+                <a16:creationId xmlns:a16="http://schemas.microsoft.com/office/drawing/2014/main" id="{7E7C77BC-7138-40B1-A15B-20F57A494629}"/>
+              </a:ext>
+              <a:ext uri="{C183D7F6-B498-43B3-948B-1728B52AA6E4}">
+                <adec:decorative xmlns:adec="http://schemas.microsoft.com/office/drawing/2017/decorative" val="1"/>
+              </a:ext>
+            </a:extLst>
+          </p:cNvPr>
+          <p:cNvCxnSpPr>
+            <a:cxnSpLocks noGrp="1" noRot="1" noChangeAspect="1" noMove="1" noResize="1" noEditPoints="1" noAdjustHandles="1" noChangeArrowheads="1" noChangeShapeType="1"/>
+          </p:cNvCxnSpPr>
+          <p:nvPr>
+            <p:extLst>
+              <p:ext uri="{386F3935-93C4-4BCD-93E2-E3B085C9AB24}">
+                <p16:designElem xmlns:p16="http://schemas.microsoft.com/office/powerpoint/2015/main" val="1"/>
+              </p:ext>
+            </p:extLst>
+          </p:nvPr>
+        </p:nvCxnSpPr>
+        <p:spPr>
+          <a:xfrm>
+            <a:off x="2230078" y="1522292"/>
+            <a:ext cx="7772400" cy="0"/>
+          </a:xfrm>
+          <a:prstGeom prst="line">
+            <a:avLst/>
+          </a:prstGeom>
+          <a:ln w="22225">
+            <a:solidFill>
+              <a:srgbClr val="D9D9D9"/>
+            </a:solidFill>
+          </a:ln>
+        </p:spPr>
+        <p:style>
+          <a:lnRef idx="1">
+            <a:schemeClr val="accent1"/>
+          </a:lnRef>
+          <a:fillRef idx="0">
+            <a:schemeClr val="accent1"/>
+          </a:fillRef>
+          <a:effectRef idx="0">
+            <a:schemeClr val="accent1"/>
+          </a:effectRef>
+          <a:fontRef idx="minor">
+            <a:schemeClr val="tx1"/>
+          </a:fontRef>
+        </p:style>
+      </p:cxnSp>
+      <p:pic>
+        <p:nvPicPr>
+          <p:cNvPr id="5" name="Picture 4">
+            <a:extLst>
+              <a:ext uri="{FF2B5EF4-FFF2-40B4-BE49-F238E27FC236}">
+                <a16:creationId xmlns:a16="http://schemas.microsoft.com/office/drawing/2014/main" id="{DEE3CC26-DCB6-4CC2-91A7-E8683CECE82B}"/>
+              </a:ext>
+            </a:extLst>
+          </p:cNvPr>
+          <p:cNvPicPr>
+            <a:picLocks noChangeAspect="1"/>
+          </p:cNvPicPr>
+          <p:nvPr/>
+        </p:nvPicPr>
+        <p:blipFill>
+          <a:blip r:embed="rId2"/>
+          <a:stretch>
+            <a:fillRect/>
+          </a:stretch>
+        </p:blipFill>
+        <p:spPr>
+          <a:xfrm>
+            <a:off x="6379758" y="3429000"/>
+            <a:ext cx="5455917" cy="2051513"/>
+          </a:xfrm>
+          <a:prstGeom prst="rect">
+            <a:avLst/>
+          </a:prstGeom>
+        </p:spPr>
+      </p:pic>
+      <p:cxnSp>
+        <p:nvCxnSpPr>
+          <p:cNvPr id="14" name="Straight Connector 13">
+            <a:extLst>
+              <a:ext uri="{FF2B5EF4-FFF2-40B4-BE49-F238E27FC236}">
+                <a16:creationId xmlns:a16="http://schemas.microsoft.com/office/drawing/2014/main" id="{DB146403-F3D6-484B-B2ED-97F9565D0370}"/>
+              </a:ext>
+              <a:ext uri="{C183D7F6-B498-43B3-948B-1728B52AA6E4}">
+                <adec:decorative xmlns:adec="http://schemas.microsoft.com/office/drawing/2017/decorative" val="1"/>
+              </a:ext>
+            </a:extLst>
+          </p:cNvPr>
+          <p:cNvCxnSpPr>
+            <a:cxnSpLocks noGrp="1" noRot="1" noChangeAspect="1" noMove="1" noResize="1" noEditPoints="1" noAdjustHandles="1" noChangeArrowheads="1" noChangeShapeType="1"/>
+          </p:cNvCxnSpPr>
+          <p:nvPr>
+            <p:extLst>
+              <p:ext uri="{386F3935-93C4-4BCD-93E2-E3B085C9AB24}">
+                <p16:designElem xmlns:p16="http://schemas.microsoft.com/office/powerpoint/2015/main" val="1"/>
+              </p:ext>
+            </p:extLst>
+          </p:nvPr>
+        </p:nvCxnSpPr>
+        <p:spPr>
+          <a:xfrm>
+            <a:off x="6116278" y="2596836"/>
+            <a:ext cx="0" cy="3657600"/>
+          </a:xfrm>
+          <a:prstGeom prst="line">
+            <a:avLst/>
+          </a:prstGeom>
+          <a:ln w="101600" cmpd="dbl">
+            <a:solidFill>
+              <a:srgbClr val="595959"/>
+            </a:solidFill>
+          </a:ln>
+        </p:spPr>
+        <p:style>
+          <a:lnRef idx="1">
+            <a:schemeClr val="accent1"/>
+          </a:lnRef>
+          <a:fillRef idx="0">
+            <a:schemeClr val="accent1"/>
+          </a:fillRef>
+          <a:effectRef idx="0">
+            <a:schemeClr val="accent1"/>
+          </a:effectRef>
+          <a:fontRef idx="minor">
+            <a:schemeClr val="tx1"/>
+          </a:fontRef>
+        </p:style>
+      </p:cxnSp>
+      <p:pic>
+        <p:nvPicPr>
+          <p:cNvPr id="4" name="Content Placeholder 3">
+            <a:extLst>
+              <a:ext uri="{FF2B5EF4-FFF2-40B4-BE49-F238E27FC236}">
+                <a16:creationId xmlns:a16="http://schemas.microsoft.com/office/drawing/2014/main" id="{A75072AC-7F2A-40F7-937E-ED9E362D2BB2}"/>
+              </a:ext>
+            </a:extLst>
+          </p:cNvPr>
+          <p:cNvPicPr>
+            <a:picLocks noGrp="1" noChangeAspect="1"/>
+          </p:cNvPicPr>
+          <p:nvPr>
+            <p:ph idx="1"/>
+          </p:nvPr>
+        </p:nvPicPr>
+        <p:blipFill>
+          <a:blip r:embed="rId3"/>
+          <a:stretch>
+            <a:fillRect/>
+          </a:stretch>
+        </p:blipFill>
+        <p:spPr>
+          <a:xfrm>
+            <a:off x="528621" y="3398858"/>
+            <a:ext cx="5455917" cy="1936850"/>
+          </a:xfrm>
+          <a:prstGeom prst="rect">
+            <a:avLst/>
+          </a:prstGeom>
+        </p:spPr>
+      </p:pic>
+    </p:spTree>
+    <p:extLst>
+      <p:ext uri="{BB962C8B-B14F-4D97-AF65-F5344CB8AC3E}">
+        <p14:creationId xmlns:p14="http://schemas.microsoft.com/office/powerpoint/2010/main" val="1197435071"/>
+      </p:ext>
+    </p:extLst>
+  </p:cSld>
+  <p:clrMapOvr>
+    <a:masterClrMapping/>
+  </p:clrMapOvr>
+</p:sld>
+</file>
+
+<file path=ppt/slides/slide12.xml><?xml version="1.0" encoding="utf-8"?>
+<p:sld xmlns:a="http://schemas.openxmlformats.org/drawingml/2006/main" xmlns:r="http://schemas.openxmlformats.org/officeDocument/2006/relationships" xmlns:p="http://schemas.openxmlformats.org/presentationml/2006/main">
+  <p:cSld>
+    <p:bg>
+      <p:bgPr>
+        <a:solidFill>
+          <a:schemeClr val="bg1"/>
+        </a:solidFill>
+        <a:effectLst/>
+      </p:bgPr>
+    </p:bg>
+    <p:spTree>
+      <p:nvGrpSpPr>
+        <p:cNvPr id="1" name=""/>
+        <p:cNvGrpSpPr/>
+        <p:nvPr/>
+      </p:nvGrpSpPr>
+      <p:grpSpPr>
+        <a:xfrm>
+          <a:off x="0" y="0"/>
+          <a:ext cx="0" cy="0"/>
+          <a:chOff x="0" y="0"/>
+          <a:chExt cx="0" cy="0"/>
+        </a:xfrm>
+      </p:grpSpPr>
       <p:cxnSp>
         <p:nvCxnSpPr>
           <p:cNvPr id="16" name="Straight Connector 15">
@@ -4183,7 +4527,7 @@
 </p:sld>
 </file>
 
-<file path=ppt/slides/slide12.xml><?xml version="1.0" encoding="utf-8"?>
+<file path=ppt/slides/slide13.xml><?xml version="1.0" encoding="utf-8"?>
 <p:sld xmlns:a="http://schemas.openxmlformats.org/drawingml/2006/main" xmlns:r="http://schemas.openxmlformats.org/officeDocument/2006/relationships" xmlns:p="http://schemas.openxmlformats.org/presentationml/2006/main">
   <p:cSld>
     <p:spTree>
@@ -4329,6 +4673,253 @@
     <p:extLst>
       <p:ext uri="{BB962C8B-B14F-4D97-AF65-F5344CB8AC3E}">
         <p14:creationId xmlns:p14="http://schemas.microsoft.com/office/powerpoint/2010/main" val="3870934199"/>
+      </p:ext>
+    </p:extLst>
+  </p:cSld>
+  <p:clrMapOvr>
+    <a:masterClrMapping/>
+  </p:clrMapOvr>
+</p:sld>
+</file>
+
+<file path=ppt/slides/slide14.xml><?xml version="1.0" encoding="utf-8"?>
+<p:sld xmlns:a="http://schemas.openxmlformats.org/drawingml/2006/main" xmlns:r="http://schemas.openxmlformats.org/officeDocument/2006/relationships" xmlns:p="http://schemas.openxmlformats.org/presentationml/2006/main">
+  <p:cSld>
+    <p:spTree>
+      <p:nvGrpSpPr>
+        <p:cNvPr id="1" name=""/>
+        <p:cNvGrpSpPr/>
+        <p:nvPr/>
+      </p:nvGrpSpPr>
+      <p:grpSpPr>
+        <a:xfrm>
+          <a:off x="0" y="0"/>
+          <a:ext cx="0" cy="0"/>
+          <a:chOff x="0" y="0"/>
+          <a:chExt cx="0" cy="0"/>
+        </a:xfrm>
+      </p:grpSpPr>
+      <p:pic>
+        <p:nvPicPr>
+          <p:cNvPr id="4" name="Content Placeholder 3">
+            <a:extLst>
+              <a:ext uri="{FF2B5EF4-FFF2-40B4-BE49-F238E27FC236}">
+                <a16:creationId xmlns:a16="http://schemas.microsoft.com/office/drawing/2014/main" id="{83E68D7D-8F41-4D51-9F52-A4BE79EF8899}"/>
+              </a:ext>
+            </a:extLst>
+          </p:cNvPr>
+          <p:cNvPicPr>
+            <a:picLocks noGrp="1" noChangeAspect="1"/>
+          </p:cNvPicPr>
+          <p:nvPr>
+            <p:ph idx="1"/>
+          </p:nvPr>
+        </p:nvPicPr>
+        <p:blipFill>
+          <a:blip r:embed="rId2"/>
+          <a:stretch>
+            <a:fillRect/>
+          </a:stretch>
+        </p:blipFill>
+        <p:spPr>
+          <a:xfrm>
+            <a:off x="0" y="552920"/>
+            <a:ext cx="5372850" cy="1590897"/>
+          </a:xfrm>
+          <a:prstGeom prst="rect">
+            <a:avLst/>
+          </a:prstGeom>
+        </p:spPr>
+      </p:pic>
+      <p:sp>
+        <p:nvSpPr>
+          <p:cNvPr id="2" name="Title 1">
+            <a:extLst>
+              <a:ext uri="{FF2B5EF4-FFF2-40B4-BE49-F238E27FC236}">
+                <a16:creationId xmlns:a16="http://schemas.microsoft.com/office/drawing/2014/main" id="{3FF1F93D-F69C-4F08-A375-14FC1F4C11F3}"/>
+              </a:ext>
+            </a:extLst>
+          </p:cNvPr>
+          <p:cNvSpPr>
+            <a:spLocks noGrp="1"/>
+          </p:cNvSpPr>
+          <p:nvPr>
+            <p:ph type="title"/>
+          </p:nvPr>
+        </p:nvSpPr>
+        <p:spPr>
+          <a:xfrm>
+            <a:off x="52254" y="26476"/>
+            <a:ext cx="10886872" cy="503914"/>
+          </a:xfrm>
+        </p:spPr>
+        <p:txBody>
+          <a:bodyPr>
+            <a:normAutofit fontScale="90000"/>
+          </a:bodyPr>
+          <a:lstStyle/>
+          <a:p>
+            <a:r>
+              <a:rPr lang="it-IT" dirty="0"/>
+              <a:t>Cpu &amp; Cache</a:t>
+            </a:r>
+          </a:p>
+        </p:txBody>
+      </p:sp>
+      <p:pic>
+        <p:nvPicPr>
+          <p:cNvPr id="5" name="Picture 4">
+            <a:extLst>
+              <a:ext uri="{FF2B5EF4-FFF2-40B4-BE49-F238E27FC236}">
+                <a16:creationId xmlns:a16="http://schemas.microsoft.com/office/drawing/2014/main" id="{3DD18953-BCE5-482B-B879-30971458B816}"/>
+              </a:ext>
+            </a:extLst>
+          </p:cNvPr>
+          <p:cNvPicPr>
+            <a:picLocks noChangeAspect="1"/>
+          </p:cNvPicPr>
+          <p:nvPr/>
+        </p:nvPicPr>
+        <p:blipFill>
+          <a:blip r:embed="rId3"/>
+          <a:stretch>
+            <a:fillRect/>
+          </a:stretch>
+        </p:blipFill>
+        <p:spPr>
+          <a:xfrm>
+            <a:off x="8159437" y="278433"/>
+            <a:ext cx="3693250" cy="1362371"/>
+          </a:xfrm>
+          <a:prstGeom prst="rect">
+            <a:avLst/>
+          </a:prstGeom>
+        </p:spPr>
+      </p:pic>
+      <p:pic>
+        <p:nvPicPr>
+          <p:cNvPr id="6" name="Picture 5">
+            <a:extLst>
+              <a:ext uri="{FF2B5EF4-FFF2-40B4-BE49-F238E27FC236}">
+                <a16:creationId xmlns:a16="http://schemas.microsoft.com/office/drawing/2014/main" id="{AE619CE2-2960-4E82-84BB-A6F0D7DB8199}"/>
+              </a:ext>
+            </a:extLst>
+          </p:cNvPr>
+          <p:cNvPicPr>
+            <a:picLocks noChangeAspect="1"/>
+          </p:cNvPicPr>
+          <p:nvPr/>
+        </p:nvPicPr>
+        <p:blipFill>
+          <a:blip r:embed="rId4"/>
+          <a:stretch>
+            <a:fillRect/>
+          </a:stretch>
+        </p:blipFill>
+        <p:spPr>
+          <a:xfrm>
+            <a:off x="7578325" y="2373549"/>
+            <a:ext cx="4613676" cy="4457975"/>
+          </a:xfrm>
+          <a:prstGeom prst="rect">
+            <a:avLst/>
+          </a:prstGeom>
+        </p:spPr>
+      </p:pic>
+      <p:pic>
+        <p:nvPicPr>
+          <p:cNvPr id="7" name="Picture 6">
+            <a:extLst>
+              <a:ext uri="{FF2B5EF4-FFF2-40B4-BE49-F238E27FC236}">
+                <a16:creationId xmlns:a16="http://schemas.microsoft.com/office/drawing/2014/main" id="{2BD4D55C-0FEF-493E-B69D-1CE45B1A4BF3}"/>
+              </a:ext>
+            </a:extLst>
+          </p:cNvPr>
+          <p:cNvPicPr>
+            <a:picLocks noChangeAspect="1"/>
+          </p:cNvPicPr>
+          <p:nvPr/>
+        </p:nvPicPr>
+        <p:blipFill>
+          <a:blip r:embed="rId5"/>
+          <a:stretch>
+            <a:fillRect/>
+          </a:stretch>
+        </p:blipFill>
+        <p:spPr>
+          <a:xfrm>
+            <a:off x="181000" y="2174341"/>
+            <a:ext cx="5191850" cy="2067213"/>
+          </a:xfrm>
+          <a:prstGeom prst="rect">
+            <a:avLst/>
+          </a:prstGeom>
+        </p:spPr>
+      </p:pic>
+      <p:pic>
+        <p:nvPicPr>
+          <p:cNvPr id="9" name="Picture 8">
+            <a:extLst>
+              <a:ext uri="{FF2B5EF4-FFF2-40B4-BE49-F238E27FC236}">
+                <a16:creationId xmlns:a16="http://schemas.microsoft.com/office/drawing/2014/main" id="{6FFF4CE7-835E-4936-8BE3-96913E3F031F}"/>
+              </a:ext>
+            </a:extLst>
+          </p:cNvPr>
+          <p:cNvPicPr>
+            <a:picLocks noChangeAspect="1"/>
+          </p:cNvPicPr>
+          <p:nvPr/>
+        </p:nvPicPr>
+        <p:blipFill>
+          <a:blip r:embed="rId6"/>
+          <a:stretch>
+            <a:fillRect/>
+          </a:stretch>
+        </p:blipFill>
+        <p:spPr>
+          <a:xfrm>
+            <a:off x="282484" y="4272078"/>
+            <a:ext cx="4464278" cy="2284803"/>
+          </a:xfrm>
+          <a:prstGeom prst="rect">
+            <a:avLst/>
+          </a:prstGeom>
+        </p:spPr>
+      </p:pic>
+      <p:pic>
+        <p:nvPicPr>
+          <p:cNvPr id="10" name="Picture 9">
+            <a:extLst>
+              <a:ext uri="{FF2B5EF4-FFF2-40B4-BE49-F238E27FC236}">
+                <a16:creationId xmlns:a16="http://schemas.microsoft.com/office/drawing/2014/main" id="{143C1F50-27C6-402A-B2F6-FB53B1314BC5}"/>
+              </a:ext>
+            </a:extLst>
+          </p:cNvPr>
+          <p:cNvPicPr>
+            <a:picLocks noChangeAspect="1"/>
+          </p:cNvPicPr>
+          <p:nvPr/>
+        </p:nvPicPr>
+        <p:blipFill>
+          <a:blip r:embed="rId7"/>
+          <a:stretch>
+            <a:fillRect/>
+          </a:stretch>
+        </p:blipFill>
+        <p:spPr>
+          <a:xfrm>
+            <a:off x="4392397" y="175833"/>
+            <a:ext cx="3562847" cy="1819529"/>
+          </a:xfrm>
+          <a:prstGeom prst="rect">
+            <a:avLst/>
+          </a:prstGeom>
+        </p:spPr>
+      </p:pic>
+    </p:spTree>
+    <p:extLst>
+      <p:ext uri="{BB962C8B-B14F-4D97-AF65-F5344CB8AC3E}">
+        <p14:creationId xmlns:p14="http://schemas.microsoft.com/office/powerpoint/2010/main" val="1571824619"/>
       </p:ext>
     </p:extLst>
   </p:cSld>
@@ -5116,6 +5707,36 @@
           </a:prstGeom>
         </p:spPr>
       </p:pic>
+      <p:pic>
+        <p:nvPicPr>
+          <p:cNvPr id="3" name="Picture 2">
+            <a:extLst>
+              <a:ext uri="{FF2B5EF4-FFF2-40B4-BE49-F238E27FC236}">
+                <a16:creationId xmlns:a16="http://schemas.microsoft.com/office/drawing/2014/main" id="{4CA09729-BF3C-4E3F-BF9F-12E594F9E3A7}"/>
+              </a:ext>
+            </a:extLst>
+          </p:cNvPr>
+          <p:cNvPicPr>
+            <a:picLocks noChangeAspect="1"/>
+          </p:cNvPicPr>
+          <p:nvPr/>
+        </p:nvPicPr>
+        <p:blipFill>
+          <a:blip r:embed="rId11"/>
+          <a:stretch>
+            <a:fillRect/>
+          </a:stretch>
+        </p:blipFill>
+        <p:spPr>
+          <a:xfrm>
+            <a:off x="3566365" y="3001644"/>
+            <a:ext cx="1943371" cy="438211"/>
+          </a:xfrm>
+          <a:prstGeom prst="rect">
+            <a:avLst/>
+          </a:prstGeom>
+        </p:spPr>
+      </p:pic>
     </p:spTree>
     <p:extLst>
       <p:ext uri="{BB962C8B-B14F-4D97-AF65-F5344CB8AC3E}">
@@ -5168,7 +5789,7 @@
         </p:blipFill>
         <p:spPr>
           <a:xfrm>
-            <a:off x="138794" y="54513"/>
+            <a:off x="238794" y="1612381"/>
             <a:ext cx="6904385" cy="4034887"/>
           </a:xfrm>
           <a:prstGeom prst="rect">
@@ -5237,6 +5858,36 @@
           <a:xfrm>
             <a:off x="7143179" y="54514"/>
             <a:ext cx="4910027" cy="5592754"/>
+          </a:xfrm>
+          <a:prstGeom prst="rect">
+            <a:avLst/>
+          </a:prstGeom>
+        </p:spPr>
+      </p:pic>
+      <p:pic>
+        <p:nvPicPr>
+          <p:cNvPr id="2" name="Picture 1">
+            <a:extLst>
+              <a:ext uri="{FF2B5EF4-FFF2-40B4-BE49-F238E27FC236}">
+                <a16:creationId xmlns:a16="http://schemas.microsoft.com/office/drawing/2014/main" id="{4DE20575-2AB4-4FB2-B0AE-9735A16E697C}"/>
+              </a:ext>
+            </a:extLst>
+          </p:cNvPr>
+          <p:cNvPicPr>
+            <a:picLocks noChangeAspect="1"/>
+          </p:cNvPicPr>
+          <p:nvPr/>
+        </p:nvPicPr>
+        <p:blipFill>
+          <a:blip r:embed="rId5"/>
+          <a:stretch>
+            <a:fillRect/>
+          </a:stretch>
+        </p:blipFill>
+        <p:spPr>
+          <a:xfrm>
+            <a:off x="238794" y="147552"/>
+            <a:ext cx="1162212" cy="457264"/>
           </a:xfrm>
           <a:prstGeom prst="rect">
             <a:avLst/>
@@ -5864,8 +6515,8 @@
         </p:nvSpPr>
         <p:spPr>
           <a:xfrm>
-            <a:off x="674237" y="914400"/>
-            <a:ext cx="3657600" cy="2887579"/>
+            <a:off x="544428" y="1692613"/>
+            <a:ext cx="3917218" cy="2887579"/>
           </a:xfrm>
         </p:spPr>
         <p:txBody>
@@ -5885,6 +6536,27 @@
                 <a:cs typeface="+mj-cs"/>
               </a:rPr>
               <a:t>Reference counting</a:t>
+            </a:r>
+            <a:br>
+              <a:rPr lang="en-US" sz="4800" kern="1200" dirty="0">
+                <a:solidFill>
+                  <a:srgbClr val="FFFFFF"/>
+                </a:solidFill>
+                <a:latin typeface="+mj-lt"/>
+                <a:ea typeface="+mj-ea"/>
+                <a:cs typeface="+mj-cs"/>
+              </a:rPr>
+            </a:br>
+            <a:r>
+              <a:rPr lang="en-US" sz="4800" kern="1200" dirty="0">
+                <a:solidFill>
+                  <a:srgbClr val="FFFFFF"/>
+                </a:solidFill>
+                <a:latin typeface="+mj-lt"/>
+                <a:ea typeface="+mj-ea"/>
+                <a:cs typeface="+mj-cs"/>
+              </a:rPr>
+              <a:t>Fragmentation</a:t>
             </a:r>
           </a:p>
         </p:txBody>
@@ -5965,8 +6637,38 @@
         </p:blipFill>
         <p:spPr>
           <a:xfrm>
-            <a:off x="5186079" y="2347823"/>
+            <a:off x="5006544" y="321177"/>
             <a:ext cx="6439799" cy="1629002"/>
+          </a:xfrm>
+          <a:prstGeom prst="rect">
+            <a:avLst/>
+          </a:prstGeom>
+        </p:spPr>
+      </p:pic>
+      <p:pic>
+        <p:nvPicPr>
+          <p:cNvPr id="3" name="Picture 2">
+            <a:extLst>
+              <a:ext uri="{FF2B5EF4-FFF2-40B4-BE49-F238E27FC236}">
+                <a16:creationId xmlns:a16="http://schemas.microsoft.com/office/drawing/2014/main" id="{644FCC2F-FE5F-4602-B751-20B1DEAA1A9A}"/>
+              </a:ext>
+            </a:extLst>
+          </p:cNvPr>
+          <p:cNvPicPr>
+            <a:picLocks noChangeAspect="1"/>
+          </p:cNvPicPr>
+          <p:nvPr/>
+        </p:nvPicPr>
+        <p:blipFill>
+          <a:blip r:embed="rId3"/>
+          <a:stretch>
+            <a:fillRect/>
+          </a:stretch>
+        </p:blipFill>
+        <p:spPr>
+          <a:xfrm>
+            <a:off x="5108344" y="3602471"/>
+            <a:ext cx="5172797" cy="2753109"/>
           </a:xfrm>
           <a:prstGeom prst="rect">
             <a:avLst/>

--- a/05-memory/memory.pptx
+++ b/05-memory/memory.pptx
@@ -3352,72 +3352,6 @@
       </p:grpSpPr>
       <p:sp>
         <p:nvSpPr>
-          <p:cNvPr id="2" name="Titolo 1">
-            <a:extLst>
-              <a:ext uri="{FF2B5EF4-FFF2-40B4-BE49-F238E27FC236}">
-                <a16:creationId xmlns:a16="http://schemas.microsoft.com/office/drawing/2014/main" id="{974D76EF-2145-4E94-9A5D-1F94BC667601}"/>
-              </a:ext>
-            </a:extLst>
-          </p:cNvPr>
-          <p:cNvSpPr>
-            <a:spLocks noGrp="1"/>
-          </p:cNvSpPr>
-          <p:nvPr>
-            <p:ph type="ctrTitle"/>
-          </p:nvPr>
-        </p:nvSpPr>
-        <p:spPr>
-          <a:xfrm>
-            <a:off x="6746628" y="1783959"/>
-            <a:ext cx="4645250" cy="2889114"/>
-          </a:xfrm>
-        </p:spPr>
-        <p:txBody>
-          <a:bodyPr anchor="b">
-            <a:normAutofit/>
-          </a:bodyPr>
-          <a:lstStyle/>
-          <a:p>
-            <a:pPr algn="l"/>
-            <a:endParaRPr lang="it-IT"/>
-          </a:p>
-        </p:txBody>
-      </p:sp>
-      <p:sp>
-        <p:nvSpPr>
-          <p:cNvPr id="3" name="Sottotitolo 2">
-            <a:extLst>
-              <a:ext uri="{FF2B5EF4-FFF2-40B4-BE49-F238E27FC236}">
-                <a16:creationId xmlns:a16="http://schemas.microsoft.com/office/drawing/2014/main" id="{4D594C34-C7CA-473F-AFE4-D4B375001593}"/>
-              </a:ext>
-            </a:extLst>
-          </p:cNvPr>
-          <p:cNvSpPr>
-            <a:spLocks noGrp="1"/>
-          </p:cNvSpPr>
-          <p:nvPr>
-            <p:ph type="subTitle" idx="1"/>
-          </p:nvPr>
-        </p:nvSpPr>
-        <p:spPr>
-          <a:xfrm>
-            <a:off x="6746627" y="4750893"/>
-            <a:ext cx="4645250" cy="1147863"/>
-          </a:xfrm>
-        </p:spPr>
-        <p:txBody>
-          <a:bodyPr anchor="t">
-            <a:normAutofit/>
-          </a:bodyPr>
-          <a:lstStyle/>
-          <a:p>
-            <a:pPr algn="l"/>
-            <a:endParaRPr lang="it-IT" sz="2000"/>
-          </a:p>
-        </p:txBody>
-      </p:sp>
-      <p:sp>
-        <p:nvSpPr>
           <p:cNvPr id="9" name="Freeform: Shape 8">
             <a:extLst>
               <a:ext uri="{FF2B5EF4-FFF2-40B4-BE49-F238E27FC236}">
